--- a/Network/07. Network Transport Protocols (2).pptx
+++ b/Network/07. Network Transport Protocols (2).pptx
@@ -226,7 +226,7 @@
           <a:p>
             <a:fld id="{1BA909BF-503D-46EF-A7F0-824009663C50}" type="datetimeFigureOut">
               <a:rPr lang="ko-KR" altLang="en-US" smtClean="0"/>
-              <a:t>2023-04-11</a:t>
+              <a:t>2023-04-12</a:t>
             </a:fld>
             <a:endParaRPr lang="ko-KR" altLang="en-US"/>
           </a:p>
@@ -892,7 +892,7 @@
           <a:p>
             <a:fld id="{89B3C2D2-5A1C-4C7F-8B84-C4DC8EB1FF56}" type="datetimeFigureOut">
               <a:rPr lang="ko-KR" altLang="en-US" smtClean="0"/>
-              <a:t>2023-04-11</a:t>
+              <a:t>2023-04-12</a:t>
             </a:fld>
             <a:endParaRPr lang="ko-KR" altLang="en-US"/>
           </a:p>
@@ -1090,7 +1090,7 @@
           <a:p>
             <a:fld id="{89B3C2D2-5A1C-4C7F-8B84-C4DC8EB1FF56}" type="datetimeFigureOut">
               <a:rPr lang="ko-KR" altLang="en-US" smtClean="0"/>
-              <a:t>2023-04-11</a:t>
+              <a:t>2023-04-12</a:t>
             </a:fld>
             <a:endParaRPr lang="ko-KR" altLang="en-US"/>
           </a:p>
@@ -1298,7 +1298,7 @@
           <a:p>
             <a:fld id="{89B3C2D2-5A1C-4C7F-8B84-C4DC8EB1FF56}" type="datetimeFigureOut">
               <a:rPr lang="ko-KR" altLang="en-US" smtClean="0"/>
-              <a:t>2023-04-11</a:t>
+              <a:t>2023-04-12</a:t>
             </a:fld>
             <a:endParaRPr lang="ko-KR" altLang="en-US"/>
           </a:p>
@@ -1496,7 +1496,7 @@
           <a:p>
             <a:fld id="{89B3C2D2-5A1C-4C7F-8B84-C4DC8EB1FF56}" type="datetimeFigureOut">
               <a:rPr lang="ko-KR" altLang="en-US" smtClean="0"/>
-              <a:t>2023-04-11</a:t>
+              <a:t>2023-04-12</a:t>
             </a:fld>
             <a:endParaRPr lang="ko-KR" altLang="en-US"/>
           </a:p>
@@ -1771,7 +1771,7 @@
           <a:p>
             <a:fld id="{89B3C2D2-5A1C-4C7F-8B84-C4DC8EB1FF56}" type="datetimeFigureOut">
               <a:rPr lang="ko-KR" altLang="en-US" smtClean="0"/>
-              <a:t>2023-04-11</a:t>
+              <a:t>2023-04-12</a:t>
             </a:fld>
             <a:endParaRPr lang="ko-KR" altLang="en-US"/>
           </a:p>
@@ -2036,7 +2036,7 @@
           <a:p>
             <a:fld id="{89B3C2D2-5A1C-4C7F-8B84-C4DC8EB1FF56}" type="datetimeFigureOut">
               <a:rPr lang="ko-KR" altLang="en-US" smtClean="0"/>
-              <a:t>2023-04-11</a:t>
+              <a:t>2023-04-12</a:t>
             </a:fld>
             <a:endParaRPr lang="ko-KR" altLang="en-US"/>
           </a:p>
@@ -2448,7 +2448,7 @@
           <a:p>
             <a:fld id="{89B3C2D2-5A1C-4C7F-8B84-C4DC8EB1FF56}" type="datetimeFigureOut">
               <a:rPr lang="ko-KR" altLang="en-US" smtClean="0"/>
-              <a:t>2023-04-11</a:t>
+              <a:t>2023-04-12</a:t>
             </a:fld>
             <a:endParaRPr lang="ko-KR" altLang="en-US"/>
           </a:p>
@@ -2589,7 +2589,7 @@
           <a:p>
             <a:fld id="{89B3C2D2-5A1C-4C7F-8B84-C4DC8EB1FF56}" type="datetimeFigureOut">
               <a:rPr lang="ko-KR" altLang="en-US" smtClean="0"/>
-              <a:t>2023-04-11</a:t>
+              <a:t>2023-04-12</a:t>
             </a:fld>
             <a:endParaRPr lang="ko-KR" altLang="en-US"/>
           </a:p>
@@ -2702,7 +2702,7 @@
           <a:p>
             <a:fld id="{89B3C2D2-5A1C-4C7F-8B84-C4DC8EB1FF56}" type="datetimeFigureOut">
               <a:rPr lang="ko-KR" altLang="en-US" smtClean="0"/>
-              <a:t>2023-04-11</a:t>
+              <a:t>2023-04-12</a:t>
             </a:fld>
             <a:endParaRPr lang="ko-KR" altLang="en-US"/>
           </a:p>
@@ -3013,7 +3013,7 @@
           <a:p>
             <a:fld id="{89B3C2D2-5A1C-4C7F-8B84-C4DC8EB1FF56}" type="datetimeFigureOut">
               <a:rPr lang="ko-KR" altLang="en-US" smtClean="0"/>
-              <a:t>2023-04-11</a:t>
+              <a:t>2023-04-12</a:t>
             </a:fld>
             <a:endParaRPr lang="ko-KR" altLang="en-US"/>
           </a:p>
@@ -3301,7 +3301,7 @@
           <a:p>
             <a:fld id="{89B3C2D2-5A1C-4C7F-8B84-C4DC8EB1FF56}" type="datetimeFigureOut">
               <a:rPr lang="ko-KR" altLang="en-US" smtClean="0"/>
-              <a:t>2023-04-11</a:t>
+              <a:t>2023-04-12</a:t>
             </a:fld>
             <a:endParaRPr lang="ko-KR" altLang="en-US"/>
           </a:p>
@@ -3542,7 +3542,7 @@
           <a:p>
             <a:fld id="{89B3C2D2-5A1C-4C7F-8B84-C4DC8EB1FF56}" type="datetimeFigureOut">
               <a:rPr lang="ko-KR" altLang="en-US" smtClean="0"/>
-              <a:t>2023-04-11</a:t>
+              <a:t>2023-04-12</a:t>
             </a:fld>
             <a:endParaRPr lang="ko-KR" altLang="en-US"/>
           </a:p>
@@ -4057,18 +4057,18 @@
           <a:p>
             <a:pPr algn="l"/>
             <a:r>
-              <a:rPr lang="en-US" altLang="ko-KR" sz="5400" b="1" dirty="0"/>
+              <a:rPr lang="en-US" altLang="ko-KR" sz="4800" b="1" dirty="0"/>
               <a:t>Network : Transport</a:t>
             </a:r>
             <a:r>
-              <a:rPr lang="ko-KR" altLang="en-US" sz="5400" b="1" dirty="0"/>
+              <a:rPr lang="ko-KR" altLang="en-US" sz="4800" b="1" dirty="0"/>
               <a:t> </a:t>
             </a:r>
             <a:r>
-              <a:rPr lang="en-US" altLang="ko-KR" sz="5400" b="1" dirty="0"/>
-              <a:t>Protocols</a:t>
-            </a:r>
-            <a:endParaRPr lang="ko-KR" altLang="en-US" sz="5400" b="1" dirty="0"/>
+              <a:rPr lang="en-US" altLang="ko-KR" sz="4800" b="1" dirty="0"/>
+              <a:t>Protocols (2)</a:t>
+            </a:r>
+            <a:endParaRPr lang="ko-KR" altLang="en-US" sz="4800" b="1" dirty="0"/>
           </a:p>
         </p:txBody>
       </p:sp>
